--- a/ML_Diagnosis4.pptx
+++ b/ML_Diagnosis4.pptx
@@ -231,7 +231,7 @@
           <a:p>
             <a:fld id="{0FB436C5-5EA3-48AA-8108-4C26E2A1C4C9}" type="datetimeFigureOut">
               <a:rPr lang="es-ES" smtClean="0"/>
-              <a:t>23/01/2026</a:t>
+              <a:t>25/01/2026</a:t>
             </a:fld>
             <a:endParaRPr lang="es-ES"/>
           </a:p>
@@ -35701,7 +35701,7 @@
           <a:p>
             <a:fld id="{BFCDF831-34AB-4DC0-ABA1-EBD072B2C37E}" type="datetime2">
               <a:rPr lang="es-ES" smtClean="0"/>
-              <a:t>viernes, 23 de enero de 2026</a:t>
+              <a:t>domingo, 25 de enero de 2026</a:t>
             </a:fld>
             <a:endParaRPr lang="en-US" dirty="0"/>
           </a:p>
@@ -36766,7 +36766,15 @@
             </a:r>
             <a:r>
               <a:rPr lang="es-ES" sz="2200" dirty="0"/>
-              <a:t> El estudiante se ha memorizado los apuntes de memoria, incluyendo las manchas de café. En el examen real, como las preguntas cambian un poco, fracasa. (Modelo demasiado complejo).</a:t>
+              <a:t> El estudiante se ha memorizado los apuntes </a:t>
+            </a:r>
+            <a:r>
+              <a:rPr lang="es-ES" sz="2200"/>
+              <a:t>de memoria. </a:t>
+            </a:r>
+            <a:r>
+              <a:rPr lang="es-ES" sz="2200" dirty="0"/>
+              <a:t>En el examen real, como las preguntas cambian un poco, fracasa. (Modelo demasiado complejo).</a:t>
             </a:r>
           </a:p>
           <a:p>
